--- a/slides/presentation.pptx
+++ b/slides/presentation.pptx
@@ -216,7 +216,7 @@
           <a:p>
             <a:fld id="{837CA7E4-518F-4785-A145-3A797F4961F7}" type="datetimeFigureOut">
               <a:rPr lang="en-US" smtClean="0"/>
-              <a:t>11/9/2017</a:t>
+              <a:t>11/10/2017</a:t>
             </a:fld>
             <a:endParaRPr lang="en-US"/>
           </a:p>
@@ -381,7 +381,7 @@
           <a:p>
             <a:fld id="{C283EFF5-3065-409F-8DC2-628E1B712EB5}" type="datetimeFigureOut">
               <a:rPr lang="en-US" smtClean="0"/>
-              <a:t>11/9/2017</a:t>
+              <a:t>11/10/2017</a:t>
             </a:fld>
             <a:endParaRPr lang="en-US" dirty="0"/>
           </a:p>
@@ -988,7 +988,7 @@
           <a:p>
             <a:fld id="{FABD80F9-7C4C-4758-AAF2-260D1CFC2229}" type="datetime1">
               <a:rPr lang="en-US" smtClean="0"/>
-              <a:t>11/9/2017</a:t>
+              <a:t>11/10/2017</a:t>
             </a:fld>
             <a:endParaRPr lang="en-US" dirty="0"/>
           </a:p>
@@ -1228,7 +1228,7 @@
           <a:p>
             <a:fld id="{F3A68F4C-93B2-43C5-8F9C-2805035E9E2B}" type="datetime1">
               <a:rPr lang="en-US" smtClean="0"/>
-              <a:t>11/9/2017</a:t>
+              <a:t>11/10/2017</a:t>
             </a:fld>
             <a:endParaRPr lang="en-US" dirty="0"/>
           </a:p>
@@ -1514,7 +1514,7 @@
           <a:p>
             <a:fld id="{D3EDD767-31E1-48BE-AC2E-E0C2012294A9}" type="datetime1">
               <a:rPr lang="en-US" smtClean="0"/>
-              <a:t>11/9/2017</a:t>
+              <a:t>11/10/2017</a:t>
             </a:fld>
             <a:endParaRPr lang="en-US" dirty="0"/>
           </a:p>
@@ -10472,7 +10472,7 @@
           <a:p>
             <a:fld id="{8E9598B5-8499-4A6C-A052-8FF5EB8EE7D7}" type="datetime1">
               <a:rPr lang="en-US" smtClean="0"/>
-              <a:t>11/9/2017</a:t>
+              <a:t>11/10/2017</a:t>
             </a:fld>
             <a:endParaRPr lang="en-US" dirty="0"/>
           </a:p>
@@ -10806,7 +10806,7 @@
           <a:p>
             <a:fld id="{1774AC7C-C2CC-49DF-B821-DBB9B331A566}" type="datetime1">
               <a:rPr lang="en-US" smtClean="0"/>
-              <a:t>11/9/2017</a:t>
+              <a:t>11/10/2017</a:t>
             </a:fld>
             <a:endParaRPr lang="en-US" dirty="0"/>
           </a:p>
@@ -11264,7 +11264,7 @@
           <a:p>
             <a:fld id="{854D0BF3-AE60-44B3-9E94-D05FF669DBE5}" type="datetime1">
               <a:rPr lang="en-US" smtClean="0"/>
-              <a:t>11/9/2017</a:t>
+              <a:t>11/10/2017</a:t>
             </a:fld>
             <a:endParaRPr lang="en-US" dirty="0"/>
           </a:p>
@@ -11442,7 +11442,7 @@
           <a:p>
             <a:fld id="{FA9ACB1A-3A04-45BE-A1F5-5B3AFFABCCC0}" type="datetime1">
               <a:rPr lang="en-US" smtClean="0"/>
-              <a:t>11/9/2017</a:t>
+              <a:t>11/10/2017</a:t>
             </a:fld>
             <a:endParaRPr lang="en-US" dirty="0"/>
           </a:p>
@@ -11597,7 +11597,7 @@
           <a:p>
             <a:fld id="{F5E97B3A-CBF4-459F-8297-9A6F067D9291}" type="datetime1">
               <a:rPr lang="en-US" smtClean="0"/>
-              <a:t>11/9/2017</a:t>
+              <a:t>11/10/2017</a:t>
             </a:fld>
             <a:endParaRPr lang="en-US" dirty="0"/>
           </a:p>
@@ -11887,7 +11887,7 @@
           <a:p>
             <a:fld id="{5339F86B-155D-40CD-9DE1-64B8CC7B3BA8}" type="datetime1">
               <a:rPr lang="en-US" smtClean="0"/>
-              <a:t>11/9/2017</a:t>
+              <a:t>11/10/2017</a:t>
             </a:fld>
             <a:endParaRPr lang="en-US" dirty="0"/>
           </a:p>
@@ -12226,7 +12226,7 @@
           <a:p>
             <a:fld id="{E136CA98-5539-4A0D-B445-608679782D13}" type="datetime1">
               <a:rPr lang="en-US" smtClean="0"/>
-              <a:t>11/9/2017</a:t>
+              <a:t>11/10/2017</a:t>
             </a:fld>
             <a:endParaRPr lang="en-US" dirty="0"/>
           </a:p>
@@ -12535,7 +12535,7 @@
             <a:fld id="{9ACEA7B4-31AC-4B40-9C46-962751184891}" type="datetime1">
               <a:rPr lang="en-US" smtClean="0"/>
               <a:pPr/>
-              <a:t>11/9/2017</a:t>
+              <a:t>11/10/2017</a:t>
             </a:fld>
             <a:endParaRPr lang="en-US" dirty="0"/>
           </a:p>
@@ -13703,7 +13703,9 @@
         </p:nvSpPr>
         <p:spPr/>
         <p:txBody>
-          <a:bodyPr/>
+          <a:bodyPr>
+            <a:normAutofit lnSpcReduction="10000"/>
+          </a:bodyPr>
           <a:lstStyle/>
           <a:p>
             <a:r>
@@ -13785,6 +13787,39 @@
             <a:r>
               <a:rPr lang="en-US" dirty="0"/>
               <a:t>Moving Target Defense, Intrusion Detection and Prevention System, SDN</a:t>
+            </a:r>
+          </a:p>
+          <a:p>
+            <a:r>
+              <a:rPr lang="en-US" dirty="0"/>
+              <a:t>Mason Ginter</a:t>
+            </a:r>
+          </a:p>
+          <a:p>
+            <a:pPr lvl="1"/>
+            <a:r>
+              <a:rPr lang="en-US" dirty="0"/>
+              <a:t>Member of </a:t>
+            </a:r>
+            <a:r>
+              <a:rPr lang="en-US" dirty="0" err="1"/>
+              <a:t>CyberSecurity</a:t>
+            </a:r>
+            <a:r>
+              <a:rPr lang="en-US" dirty="0"/>
+              <a:t> Club at </a:t>
+            </a:r>
+            <a:r>
+              <a:rPr lang="en-US" dirty="0" err="1"/>
+              <a:t>Uconn</a:t>
+            </a:r>
+            <a:endParaRPr lang="en-US" dirty="0"/>
+          </a:p>
+          <a:p>
+            <a:pPr lvl="1"/>
+            <a:r>
+              <a:rPr lang="en-US" dirty="0"/>
+              <a:t>Cyber Security and Programming</a:t>
             </a:r>
           </a:p>
         </p:txBody>
@@ -13989,6 +14024,117 @@
                                           <p:spTgt spid="3">
                                             <p:txEl>
                                               <p:pRg st="9" end="9"/>
+                                            </p:txEl>
+                                          </p:spTgt>
+                                        </p:tgtEl>
+                                        <p:attrNameLst>
+                                          <p:attrName>style.visibility</p:attrName>
+                                        </p:attrNameLst>
+                                      </p:cBhvr>
+                                      <p:to>
+                                        <p:strVal val="visible"/>
+                                      </p:to>
+                                    </p:set>
+                                  </p:childTnLst>
+                                </p:cTn>
+                              </p:par>
+                            </p:childTnLst>
+                          </p:cTn>
+                        </p:par>
+                      </p:childTnLst>
+                    </p:cTn>
+                  </p:par>
+                  <p:par>
+                    <p:cTn id="15" fill="hold">
+                      <p:stCondLst>
+                        <p:cond delay="indefinite"/>
+                      </p:stCondLst>
+                      <p:childTnLst>
+                        <p:par>
+                          <p:cTn id="16" fill="hold">
+                            <p:stCondLst>
+                              <p:cond delay="0"/>
+                            </p:stCondLst>
+                            <p:childTnLst>
+                              <p:par>
+                                <p:cTn id="17" presetID="1" presetClass="entr" presetSubtype="0" fill="hold" nodeType="clickEffect">
+                                  <p:stCondLst>
+                                    <p:cond delay="0"/>
+                                  </p:stCondLst>
+                                  <p:childTnLst>
+                                    <p:set>
+                                      <p:cBhvr>
+                                        <p:cTn id="18" dur="1" fill="hold">
+                                          <p:stCondLst>
+                                            <p:cond delay="0"/>
+                                          </p:stCondLst>
+                                        </p:cTn>
+                                        <p:tgtEl>
+                                          <p:spTgt spid="3">
+                                            <p:txEl>
+                                              <p:pRg st="10" end="10"/>
+                                            </p:txEl>
+                                          </p:spTgt>
+                                        </p:tgtEl>
+                                        <p:attrNameLst>
+                                          <p:attrName>style.visibility</p:attrName>
+                                        </p:attrNameLst>
+                                      </p:cBhvr>
+                                      <p:to>
+                                        <p:strVal val="visible"/>
+                                      </p:to>
+                                    </p:set>
+                                  </p:childTnLst>
+                                </p:cTn>
+                              </p:par>
+                              <p:par>
+                                <p:cTn id="19" presetID="1" presetClass="entr" presetSubtype="0" fill="hold" nodeType="withEffect">
+                                  <p:stCondLst>
+                                    <p:cond delay="0"/>
+                                  </p:stCondLst>
+                                  <p:childTnLst>
+                                    <p:set>
+                                      <p:cBhvr>
+                                        <p:cTn id="20" dur="1" fill="hold">
+                                          <p:stCondLst>
+                                            <p:cond delay="0"/>
+                                          </p:stCondLst>
+                                        </p:cTn>
+                                        <p:tgtEl>
+                                          <p:spTgt spid="3">
+                                            <p:txEl>
+                                              <p:pRg st="11" end="11"/>
+                                            </p:txEl>
+                                          </p:spTgt>
+                                        </p:tgtEl>
+                                        <p:attrNameLst>
+                                          <p:attrName>style.visibility</p:attrName>
+                                        </p:attrNameLst>
+                                      </p:cBhvr>
+                                      <p:to>
+                                        <p:strVal val="visible"/>
+                                      </p:to>
+                                    </p:set>
+                                  </p:childTnLst>
+                                </p:cTn>
+                              </p:par>
+                              <p:par>
+                                <p:cTn id="21" presetID="1" presetClass="entr" presetSubtype="0" fill="hold" nodeType="withEffect">
+                                  <p:stCondLst>
+                                    <p:cond delay="0"/>
+                                  </p:stCondLst>
+                                  <p:childTnLst>
+                                    <p:set>
+                                      <p:cBhvr>
+                                        <p:cTn id="22" dur="1" fill="hold">
+                                          <p:stCondLst>
+                                            <p:cond delay="0"/>
+                                          </p:stCondLst>
+                                        </p:cTn>
+                                        <p:tgtEl>
+                                          <p:spTgt spid="3">
+                                            <p:txEl>
+                                              <p:pRg st="12" end="12"/>
                                             </p:txEl>
                                           </p:spTgt>
                                         </p:tgtEl>
@@ -14942,6 +15088,59 @@
           <a:noFill/>
         </p:spPr>
       </p:pic>
+      <p:sp>
+        <p:nvSpPr>
+          <p:cNvPr id="5" name="Rectangle 4">
+            <a:extLst>
+              <a:ext uri="{FF2B5EF4-FFF2-40B4-BE49-F238E27FC236}">
+                <a16:creationId xmlns:a16="http://schemas.microsoft.com/office/drawing/2014/main" id="{82133F76-1250-45FC-9BE5-C8A82BAA07B5}"/>
+              </a:ext>
+            </a:extLst>
+          </p:cNvPr>
+          <p:cNvSpPr/>
+          <p:nvPr/>
+        </p:nvSpPr>
+        <p:spPr>
+          <a:xfrm>
+            <a:off x="1905000" y="5334000"/>
+            <a:ext cx="4294607" cy="1136704"/>
+          </a:xfrm>
+          <a:prstGeom prst="rect">
+            <a:avLst/>
+          </a:prstGeom>
+        </p:spPr>
+        <p:style>
+          <a:lnRef idx="2">
+            <a:schemeClr val="accent1">
+              <a:shade val="50000"/>
+            </a:schemeClr>
+          </a:lnRef>
+          <a:fillRef idx="1">
+            <a:schemeClr val="accent1"/>
+          </a:fillRef>
+          <a:effectRef idx="0">
+            <a:schemeClr val="accent1"/>
+          </a:effectRef>
+          <a:fontRef idx="minor">
+            <a:schemeClr val="lt1"/>
+          </a:fontRef>
+        </p:style>
+        <p:txBody>
+          <a:bodyPr rtlCol="0" anchor="ctr"/>
+          <a:lstStyle/>
+          <a:p>
+            <a:pPr algn="ctr"/>
+            <a:r>
+              <a:rPr lang="en-US" sz="3600" b="1" dirty="0" err="1"/>
+              <a:t>SnapShotter</a:t>
+            </a:r>
+            <a:r>
+              <a:rPr lang="en-US" sz="3600" b="1" dirty="0"/>
+              <a:t> Agent</a:t>
+            </a:r>
+          </a:p>
+        </p:txBody>
+      </p:sp>
     </p:spTree>
     <p:extLst>
       <p:ext uri="{BB962C8B-B14F-4D97-AF65-F5344CB8AC3E}">
@@ -15276,6 +15475,105 @@
                       </p:childTnLst>
                     </p:cTn>
                   </p:par>
+                  <p:par>
+                    <p:cTn id="23" fill="hold">
+                      <p:stCondLst>
+                        <p:cond delay="indefinite"/>
+                      </p:stCondLst>
+                      <p:childTnLst>
+                        <p:par>
+                          <p:cTn id="24" fill="hold">
+                            <p:stCondLst>
+                              <p:cond delay="0"/>
+                            </p:stCondLst>
+                            <p:childTnLst>
+                              <p:par>
+                                <p:cTn id="25" presetID="42" presetClass="entr" presetSubtype="0" fill="hold" grpId="0" nodeType="clickEffect">
+                                  <p:stCondLst>
+                                    <p:cond delay="0"/>
+                                  </p:stCondLst>
+                                  <p:childTnLst>
+                                    <p:set>
+                                      <p:cBhvr>
+                                        <p:cTn id="26" dur="1" fill="hold">
+                                          <p:stCondLst>
+                                            <p:cond delay="0"/>
+                                          </p:stCondLst>
+                                        </p:cTn>
+                                        <p:tgtEl>
+                                          <p:spTgt spid="5"/>
+                                        </p:tgtEl>
+                                        <p:attrNameLst>
+                                          <p:attrName>style.visibility</p:attrName>
+                                        </p:attrNameLst>
+                                      </p:cBhvr>
+                                      <p:to>
+                                        <p:strVal val="visible"/>
+                                      </p:to>
+                                    </p:set>
+                                    <p:animEffect transition="in" filter="fade">
+                                      <p:cBhvr>
+                                        <p:cTn id="27" dur="1000"/>
+                                        <p:tgtEl>
+                                          <p:spTgt spid="5"/>
+                                        </p:tgtEl>
+                                      </p:cBhvr>
+                                    </p:animEffect>
+                                    <p:anim calcmode="lin" valueType="num">
+                                      <p:cBhvr>
+                                        <p:cTn id="28" dur="1000" fill="hold"/>
+                                        <p:tgtEl>
+                                          <p:spTgt spid="5"/>
+                                        </p:tgtEl>
+                                        <p:attrNameLst>
+                                          <p:attrName>ppt_x</p:attrName>
+                                        </p:attrNameLst>
+                                      </p:cBhvr>
+                                      <p:tavLst>
+                                        <p:tav tm="0">
+                                          <p:val>
+                                            <p:strVal val="#ppt_x"/>
+                                          </p:val>
+                                        </p:tav>
+                                        <p:tav tm="100000">
+                                          <p:val>
+                                            <p:strVal val="#ppt_x"/>
+                                          </p:val>
+                                        </p:tav>
+                                      </p:tavLst>
+                                    </p:anim>
+                                    <p:anim calcmode="lin" valueType="num">
+                                      <p:cBhvr>
+                                        <p:cTn id="29" dur="1000" fill="hold"/>
+                                        <p:tgtEl>
+                                          <p:spTgt spid="5"/>
+                                        </p:tgtEl>
+                                        <p:attrNameLst>
+                                          <p:attrName>ppt_y</p:attrName>
+                                        </p:attrNameLst>
+                                      </p:cBhvr>
+                                      <p:tavLst>
+                                        <p:tav tm="0">
+                                          <p:val>
+                                            <p:strVal val="#ppt_y+.1"/>
+                                          </p:val>
+                                        </p:tav>
+                                        <p:tav tm="100000">
+                                          <p:val>
+                                            <p:strVal val="#ppt_y"/>
+                                          </p:val>
+                                        </p:tav>
+                                      </p:tavLst>
+                                    </p:anim>
+                                  </p:childTnLst>
+                                </p:cTn>
+                              </p:par>
+                            </p:childTnLst>
+                          </p:cTn>
+                        </p:par>
+                      </p:childTnLst>
+                    </p:cTn>
+                  </p:par>
                 </p:childTnLst>
               </p:cTn>
               <p:prevCondLst>
@@ -15297,6 +15595,9 @@
         </p:cTn>
       </p:par>
     </p:tnLst>
+    <p:bldLst>
+      <p:bldP spid="5" grpId="0" animBg="1"/>
+    </p:bldLst>
   </p:timing>
 </p:sld>
 </file>
